--- a/Is Node.js Really Single-Threaded.pptx
+++ b/Is Node.js Really Single-Threaded.pptx
@@ -217,7 +217,7 @@
           <a:p>
             <a:fld id="{D15C8479-4D5D-4184-B555-79BE0796D115}" type="datetimeFigureOut">
               <a:rPr lang="en-US" smtClean="0"/>
-              <a:t>2/3/2020</a:t>
+              <a:t>2/4/2020</a:t>
             </a:fld>
             <a:endParaRPr lang="en-US"/>
           </a:p>
@@ -1364,7 +1364,7 @@
             <a:fld id="{B61BEF0D-F0BB-DE4B-95CE-6DB70DBA9567}" type="datetimeFigureOut">
               <a:rPr lang="en-US" dirty="0"/>
               <a:pPr/>
-              <a:t>2/3/2020</a:t>
+              <a:t>2/4/2020</a:t>
             </a:fld>
             <a:endParaRPr lang="en-US" dirty="0"/>
           </a:p>
@@ -1612,7 +1612,7 @@
             <a:fld id="{B61BEF0D-F0BB-DE4B-95CE-6DB70DBA9567}" type="datetimeFigureOut">
               <a:rPr lang="en-US" dirty="0"/>
               <a:pPr/>
-              <a:t>2/3/2020</a:t>
+              <a:t>2/4/2020</a:t>
             </a:fld>
             <a:endParaRPr lang="en-US" dirty="0"/>
           </a:p>
@@ -1923,7 +1923,7 @@
             <a:fld id="{B61BEF0D-F0BB-DE4B-95CE-6DB70DBA9567}" type="datetimeFigureOut">
               <a:rPr lang="en-US" dirty="0"/>
               <a:pPr/>
-              <a:t>2/3/2020</a:t>
+              <a:t>2/4/2020</a:t>
             </a:fld>
             <a:endParaRPr lang="en-US" dirty="0"/>
           </a:p>
@@ -2261,7 +2261,7 @@
             <a:fld id="{B61BEF0D-F0BB-DE4B-95CE-6DB70DBA9567}" type="datetimeFigureOut">
               <a:rPr lang="en-US" dirty="0"/>
               <a:pPr/>
-              <a:t>2/3/2020</a:t>
+              <a:t>2/4/2020</a:t>
             </a:fld>
             <a:endParaRPr lang="en-US" dirty="0"/>
           </a:p>
@@ -2572,7 +2572,7 @@
             <a:fld id="{B61BEF0D-F0BB-DE4B-95CE-6DB70DBA9567}" type="datetimeFigureOut">
               <a:rPr lang="en-US" dirty="0"/>
               <a:pPr/>
-              <a:t>2/3/2020</a:t>
+              <a:t>2/4/2020</a:t>
             </a:fld>
             <a:endParaRPr lang="en-US" dirty="0"/>
           </a:p>
@@ -2962,7 +2962,7 @@
             <a:fld id="{B61BEF0D-F0BB-DE4B-95CE-6DB70DBA9567}" type="datetimeFigureOut">
               <a:rPr lang="en-US" dirty="0"/>
               <a:pPr/>
-              <a:t>2/3/2020</a:t>
+              <a:t>2/4/2020</a:t>
             </a:fld>
             <a:endParaRPr lang="en-US" dirty="0"/>
           </a:p>
@@ -3128,7 +3128,7 @@
           <a:p>
             <a:fld id="{55C6B4A9-1611-4792-9094-5F34BCA07E0B}" type="datetimeFigureOut">
               <a:rPr lang="en-US" dirty="0"/>
-              <a:t>2/3/2020</a:t>
+              <a:t>2/4/2020</a:t>
             </a:fld>
             <a:endParaRPr lang="en-US" dirty="0"/>
           </a:p>
@@ -3304,7 +3304,7 @@
             <a:fld id="{B61BEF0D-F0BB-DE4B-95CE-6DB70DBA9567}" type="datetimeFigureOut">
               <a:rPr lang="en-US" dirty="0"/>
               <a:pPr/>
-              <a:t>2/3/2020</a:t>
+              <a:t>2/4/2020</a:t>
             </a:fld>
             <a:endParaRPr lang="en-US" dirty="0"/>
           </a:p>
@@ -3477,7 +3477,7 @@
             <a:fld id="{B61BEF0D-F0BB-DE4B-95CE-6DB70DBA9567}" type="datetimeFigureOut">
               <a:rPr lang="en-US" dirty="0"/>
               <a:pPr/>
-              <a:t>2/3/2020</a:t>
+              <a:t>2/4/2020</a:t>
             </a:fld>
             <a:endParaRPr lang="en-US" dirty="0"/>
           </a:p>
@@ -3721,7 +3721,7 @@
             <a:fld id="{B61BEF0D-F0BB-DE4B-95CE-6DB70DBA9567}" type="datetimeFigureOut">
               <a:rPr lang="en-US" dirty="0"/>
               <a:pPr/>
-              <a:t>2/3/2020</a:t>
+              <a:t>2/4/2020</a:t>
             </a:fld>
             <a:endParaRPr lang="en-US" dirty="0"/>
           </a:p>
@@ -3949,7 +3949,7 @@
           <a:p>
             <a:fld id="{EB712588-04B1-427B-82EE-E8DB90309F08}" type="datetimeFigureOut">
               <a:rPr lang="en-US" dirty="0"/>
-              <a:t>2/3/2020</a:t>
+              <a:t>2/4/2020</a:t>
             </a:fld>
             <a:endParaRPr lang="en-US" dirty="0"/>
           </a:p>
@@ -4319,7 +4319,7 @@
             <a:fld id="{B61BEF0D-F0BB-DE4B-95CE-6DB70DBA9567}" type="datetimeFigureOut">
               <a:rPr lang="en-US" dirty="0"/>
               <a:pPr/>
-              <a:t>2/3/2020</a:t>
+              <a:t>2/4/2020</a:t>
             </a:fld>
             <a:endParaRPr lang="en-US" dirty="0"/>
           </a:p>
@@ -4439,7 +4439,7 @@
             <a:fld id="{B61BEF0D-F0BB-DE4B-95CE-6DB70DBA9567}" type="datetimeFigureOut">
               <a:rPr lang="en-US" dirty="0"/>
               <a:pPr/>
-              <a:t>2/3/2020</a:t>
+              <a:t>2/4/2020</a:t>
             </a:fld>
             <a:endParaRPr lang="en-US" dirty="0"/>
           </a:p>
@@ -4531,7 +4531,7 @@
             <a:fld id="{B61BEF0D-F0BB-DE4B-95CE-6DB70DBA9567}" type="datetimeFigureOut">
               <a:rPr lang="en-US" dirty="0"/>
               <a:pPr/>
-              <a:t>2/3/2020</a:t>
+              <a:t>2/4/2020</a:t>
             </a:fld>
             <a:endParaRPr lang="en-US" dirty="0"/>
           </a:p>
@@ -4782,7 +4782,7 @@
           <a:p>
             <a:fld id="{42A54C80-263E-416B-A8E0-580EDEADCBDC}" type="datetimeFigureOut">
               <a:rPr lang="en-US" dirty="0"/>
-              <a:t>2/3/2020</a:t>
+              <a:t>2/4/2020</a:t>
             </a:fld>
             <a:endParaRPr lang="en-US" dirty="0"/>
           </a:p>
@@ -5041,7 +5041,7 @@
             <a:fld id="{B61BEF0D-F0BB-DE4B-95CE-6DB70DBA9567}" type="datetimeFigureOut">
               <a:rPr lang="en-US" dirty="0"/>
               <a:pPr/>
-              <a:t>2/3/2020</a:t>
+              <a:t>2/4/2020</a:t>
             </a:fld>
             <a:endParaRPr lang="en-US" dirty="0"/>
           </a:p>
@@ -5781,7 +5781,7 @@
             <a:fld id="{B61BEF0D-F0BB-DE4B-95CE-6DB70DBA9567}" type="datetimeFigureOut">
               <a:rPr lang="en-US" dirty="0"/>
               <a:pPr/>
-              <a:t>2/3/2020</a:t>
+              <a:t>2/4/2020</a:t>
             </a:fld>
             <a:endParaRPr lang="en-US" dirty="0"/>
           </a:p>
@@ -6353,13 +6353,20 @@
         </p:nvSpPr>
         <p:spPr>
           <a:xfrm>
-            <a:off x="2050741" y="4050833"/>
+            <a:off x="1028765" y="4502655"/>
             <a:ext cx="7223262" cy="1096899"/>
           </a:xfrm>
         </p:spPr>
         <p:txBody>
           <a:bodyPr/>
           <a:lstStyle/>
+          <a:p>
+            <a:pPr algn="l"/>
+            <a:r>
+              <a:rPr lang="en-US" dirty="0"/>
+              <a:t>Objectivity Front-End Community</a:t>
+            </a:r>
+          </a:p>
           <a:p>
             <a:pPr algn="l"/>
             <a:r>
